--- a/2019系统仿真-15-决策规则.pptx
+++ b/2019系统仿真-15-决策规则.pptx
@@ -253,7 +253,7 @@
                 <a:latin typeface="微软雅黑" panose="020B0503020204020204" pitchFamily="34" charset="-122"/>
                 <a:ea typeface="微软雅黑" panose="020B0503020204020204" pitchFamily="34" charset="-122"/>
               </a:rPr>
-              <a:t>2019年5月12日 Sunday</a:t>
+              <a:t>2019年5月13日 Monday</a:t>
             </a:fld>
             <a:endParaRPr lang="zh-CN" altLang="en-US" dirty="0">
               <a:latin typeface="微软雅黑" panose="020B0503020204020204" pitchFamily="34" charset="-122"/>
@@ -445,7 +445,7 @@
             <a:fld id="{07D6BDDC-F39A-4E16-93D6-E40B88AA6D58}" type="datetime2">
               <a:rPr lang="zh-CN" altLang="en-US" smtClean="0"/>
               <a:pPr/>
-              <a:t>2019年5月12日 Sunday</a:t>
+              <a:t>2019年5月13日 Monday</a:t>
             </a:fld>
             <a:endParaRPr lang="zh-CN" altLang="en-US" dirty="0"/>
           </a:p>
@@ -2089,7 +2089,7 @@
             <a:fld id="{4947C3F0-2957-4D41-9FB7-182757A04D67}" type="datetime2">
               <a:rPr lang="zh-CN" altLang="en-US" smtClean="0"/>
               <a:pPr/>
-              <a:t>2019年5月12日 Sunday</a:t>
+              <a:t>2019年5月13日 Monday</a:t>
             </a:fld>
             <a:endParaRPr lang="zh-CN" altLang="en-US" dirty="0"/>
           </a:p>
@@ -2322,7 +2322,7 @@
             <a:fld id="{8DF8E148-EC1F-43A2-8C9E-1F57F6D08A76}" type="datetime2">
               <a:rPr lang="zh-CN" altLang="en-US" smtClean="0"/>
               <a:pPr/>
-              <a:t>2019年5月12日 Sunday</a:t>
+              <a:t>2019年5月13日 Monday</a:t>
             </a:fld>
             <a:endParaRPr lang="zh-CN" altLang="en-US" dirty="0"/>
           </a:p>
@@ -3205,7 +3205,7 @@
             <a:fld id="{FB7B4C11-1E14-4887-9E78-A9346EC068F1}" type="datetime2">
               <a:rPr lang="zh-CN" altLang="en-US" smtClean="0"/>
               <a:pPr/>
-              <a:t>2019年5月12日 Sunday</a:t>
+              <a:t>2019年5月13日 Monday</a:t>
             </a:fld>
             <a:endParaRPr lang="zh-CN" altLang="en-US" dirty="0"/>
           </a:p>
@@ -3464,7 +3464,7 @@
             <a:fld id="{86FD5D46-E987-42B2-B42C-B8920598FADE}" type="datetime2">
               <a:rPr lang="zh-CN" altLang="en-US" smtClean="0"/>
               <a:pPr/>
-              <a:t>2019年5月12日 Sunday</a:t>
+              <a:t>2019年5月13日 Monday</a:t>
             </a:fld>
             <a:endParaRPr lang="zh-CN" altLang="en-US" dirty="0"/>
           </a:p>
@@ -4791,7 +4791,7 @@
             <a:fld id="{8365F240-A7EF-41C8-A85B-C448CF84B5E5}" type="datetime2">
               <a:rPr lang="zh-CN" altLang="en-US" smtClean="0"/>
               <a:pPr/>
-              <a:t>2019年5月12日 Sunday</a:t>
+              <a:t>2019年5月13日 Monday</a:t>
             </a:fld>
             <a:endParaRPr lang="zh-CN" altLang="en-US" dirty="0"/>
           </a:p>
@@ -5126,7 +5126,7 @@
             <a:fld id="{F770B30E-8728-44DB-AEE3-E4A75AEDBBD9}" type="datetime2">
               <a:rPr lang="zh-CN" altLang="en-US" smtClean="0"/>
               <a:pPr/>
-              <a:t>2019年5月12日 Sunday</a:t>
+              <a:t>2019年5月13日 Monday</a:t>
             </a:fld>
             <a:endParaRPr lang="zh-CN" altLang="en-US" dirty="0"/>
           </a:p>
@@ -5627,7 +5627,7 @@
             <a:fld id="{680BCF82-A51A-4389-A573-378AD02C5141}" type="datetime2">
               <a:rPr lang="zh-CN" altLang="en-US" smtClean="0"/>
               <a:pPr/>
-              <a:t>2019年5月12日 Sunday</a:t>
+              <a:t>2019年5月13日 Monday</a:t>
             </a:fld>
             <a:endParaRPr lang="zh-CN" altLang="en-US" dirty="0"/>
           </a:p>
@@ -5782,7 +5782,7 @@
             <a:fld id="{CE03A716-E3DC-4D9D-823C-60FCD8C9B163}" type="datetime2">
               <a:rPr lang="zh-CN" altLang="en-US" smtClean="0"/>
               <a:pPr/>
-              <a:t>2019年5月12日 Sunday</a:t>
+              <a:t>2019年5月13日 Monday</a:t>
             </a:fld>
             <a:endParaRPr lang="zh-CN" altLang="en-US" dirty="0"/>
           </a:p>
@@ -6142,7 +6142,7 @@
             <a:fld id="{C16B8A94-44E5-4844-A22C-F796FCAA90D9}" type="datetime2">
               <a:rPr lang="zh-CN" altLang="en-US" smtClean="0"/>
               <a:pPr/>
-              <a:t>2019年5月12日 Sunday</a:t>
+              <a:t>2019年5月13日 Monday</a:t>
             </a:fld>
             <a:endParaRPr lang="zh-CN" altLang="en-US" dirty="0"/>
           </a:p>
@@ -6684,7 +6684,7 @@
             <a:fld id="{F288B2AC-AC0A-4E49-82A3-94EE74FA7FBF}" type="datetime2">
               <a:rPr lang="zh-CN" altLang="en-US" smtClean="0"/>
               <a:pPr/>
-              <a:t>2019年5月12日 Sunday</a:t>
+              <a:t>2019年5月13日 Monday</a:t>
             </a:fld>
             <a:endParaRPr lang="zh-CN" altLang="en-US" dirty="0"/>
           </a:p>
@@ -7170,7 +7170,7 @@
             <a:fld id="{1878E339-1BD2-4FEE-A113-9A0301740CF6}" type="datetime2">
               <a:rPr lang="zh-CN" altLang="en-US" smtClean="0"/>
               <a:pPr/>
-              <a:t>2019年5月12日 Sunday</a:t>
+              <a:t>2019年5月13日 Monday</a:t>
             </a:fld>
             <a:endParaRPr lang="zh-CN" altLang="en-US" dirty="0"/>
           </a:p>
@@ -8094,7 +8094,7 @@
             <a:fld id="{A339CB27-C670-4AAB-948C-7E3D1D9FAE30}" type="datetime2">
               <a:rPr lang="zh-CN" altLang="en-US" smtClean="0"/>
               <a:pPr/>
-              <a:t>2019年5月12日 Sunday</a:t>
+              <a:t>2019年5月13日 Monday</a:t>
             </a:fld>
             <a:endParaRPr lang="zh-CN" altLang="en-US" dirty="0"/>
           </a:p>
@@ -8594,6 +8594,36 @@
             <a:extLst>
               <a:ext uri="{FF2B5EF4-FFF2-40B4-BE49-F238E27FC236}">
                 <a16:creationId xmlns:a16="http://schemas.microsoft.com/office/drawing/2014/main" id="{9637FD62-6A48-444F-9186-4182C6C81264}"/>
+              </a:ext>
+            </a:extLst>
+          </p:cNvPr>
+          <p:cNvPicPr>
+            <a:picLocks noChangeAspect="1"/>
+          </p:cNvPicPr>
+          <p:nvPr/>
+        </p:nvPicPr>
+        <p:blipFill>
+          <a:blip r:link="rId3"/>
+          <a:stretch>
+            <a:fillRect/>
+          </a:stretch>
+        </p:blipFill>
+        <p:spPr>
+          <a:xfrm>
+            <a:off x="1270000" y="1270000"/>
+            <a:ext cx="63500" cy="76200"/>
+          </a:xfrm>
+          <a:prstGeom prst="rect">
+            <a:avLst/>
+          </a:prstGeom>
+        </p:spPr>
+      </p:pic>
+      <p:pic>
+        <p:nvPicPr>
+          <p:cNvPr id="6" name="图片 5">
+            <a:extLst>
+              <a:ext uri="{FF2B5EF4-FFF2-40B4-BE49-F238E27FC236}">
+                <a16:creationId xmlns:a16="http://schemas.microsoft.com/office/drawing/2014/main" id="{9BAFA0B2-39BF-DD44-84FC-DCB6888C85BB}"/>
               </a:ext>
             </a:extLst>
           </p:cNvPr>
@@ -15403,35 +15433,17 @@
 
 <file path=customXml/item1.xml><?xml version="1.0" encoding="utf-8"?>
 <Control xmlns="http://schemas.microsoft.com/VisualStudio/2011/storyboarding/control">
-  <Id Name="System.Storyboarding.WindowsApps.WindowsAppsListBox" Revision="1" Stencil="System.Storyboarding.WindowsApps" StencilVersion="0.1"/>
+  <Id Name="System.Storyboarding.Common.TextInput" Revision="1" Stencil="System.Storyboarding.Common" StencilVersion="0.1"/>
 </Control>
 </file>
 
 <file path=customXml/item2.xml><?xml version="1.0" encoding="utf-8"?>
 <Control xmlns="http://schemas.microsoft.com/VisualStudio/2011/storyboarding/control">
-  <Id Name="System.Storyboarding.Common.TextInput" Revision="1" Stencil="System.Storyboarding.Common" StencilVersion="0.1"/>
+  <Id Name="System.Storyboarding.WindowsApps.WindowsAppsListBox" Revision="1" Stencil="System.Storyboarding.WindowsApps" StencilVersion="0.1"/>
 </Control>
 </file>
 
 <file path=customXml/item3.xml><?xml version="1.0" encoding="utf-8"?>
-<Control xmlns="http://schemas.microsoft.com/VisualStudio/2011/storyboarding/control">
-  <Id Name="System.Storyboarding.WindowsApps.WindowsAppsProgressRing" Revision="1" Stencil="System.Storyboarding.WindowsApps" StencilVersion="0.1"/>
-</Control>
-</file>
-
-<file path=customXml/item4.xml><?xml version="1.0" encoding="utf-8"?>
-<Control xmlns="http://schemas.microsoft.com/VisualStudio/2011/storyboarding/control">
-  <Id Name="System.Storyboarding.Annotation.StickyNote" Revision="1" Stencil="System.Storyboarding.Annotation" StencilVersion="0.1"/>
-</Control>
-</file>
-
-<file path=customXml/item5.xml><?xml version="1.0" encoding="utf-8"?>
-<Control xmlns="http://schemas.microsoft.com/VisualStudio/2011/storyboarding/control">
-  <Id Name="System.Storyboarding.Common.DragSelection" Revision="1" Stencil="System.Storyboarding.Common" StencilVersion="0.1"/>
-</Control>
-</file>
-
-<file path=customXml/item6.xml><?xml version="1.0" encoding="utf-8"?>
 <p:properties xmlns:p="http://schemas.microsoft.com/office/2006/metadata/properties" xmlns:xsi="http://www.w3.org/2001/XMLSchema-instance" xmlns:pc="http://schemas.microsoft.com/office/infopath/2007/PartnerControls">
   <documentManagement>
     <_dlc_DocId xmlns="b4ebf394-daf6-497a-96c5-a2f8c10b38cf">TT6HZDVJM2HV-178-321</_dlc_DocId>
@@ -15443,6 +15455,24 @@
 </p:properties>
 </file>
 
+<file path=customXml/item4.xml><?xml version="1.0" encoding="utf-8"?>
+<Control xmlns="http://schemas.microsoft.com/VisualStudio/2011/storyboarding/control">
+  <Id Name="System.Storyboarding.Common.DragSelection" Revision="1" Stencil="System.Storyboarding.Common" StencilVersion="0.1"/>
+</Control>
+</file>
+
+<file path=customXml/item5.xml><?xml version="1.0" encoding="utf-8"?>
+<Control xmlns="http://schemas.microsoft.com/VisualStudio/2011/storyboarding/control">
+  <Id Name="System.Storyboarding.Annotation.StickyNote" Revision="1" Stencil="System.Storyboarding.Annotation" StencilVersion="0.1"/>
+</Control>
+</file>
+
+<file path=customXml/item6.xml><?xml version="1.0" encoding="utf-8"?>
+<Control xmlns="http://schemas.microsoft.com/VisualStudio/2011/storyboarding/control">
+  <Id Name="System.Storyboarding.WindowsApps.WindowsAppsProgressRing" Revision="1" Stencil="System.Storyboarding.WindowsApps" StencilVersion="0.1"/>
+</Control>
+</file>
+
 <file path=customXml/item7.xml><?xml version="1.0" encoding="utf-8"?>
 <Control xmlns="http://schemas.microsoft.com/VisualStudio/2011/storyboarding/control">
   <Id Name="5e505f8e-b0aa-429a-bb4c-92ab0e8a8ee6" RevisionId="d2083f08-ba4f-4330-87aa-e4d23a4443d7" Stencil="172d6d98-e5c9-42e9-a209-79f7a94bbd38" StencilRevisionId="00000000-0000-0000-0000-000000000000" StencilVersion="0.0"/>
@@ -15450,6 +15480,14 @@
 </file>
 
 <file path=customXml/itemProps1.xml><?xml version="1.0" encoding="utf-8"?>
+<ds:datastoreItem xmlns:ds="http://schemas.openxmlformats.org/officeDocument/2006/customXml" ds:itemID="{195C3A57-25C5-4CAC-A396-8711CE839175}">
+  <ds:schemaRefs>
+    <ds:schemaRef ds:uri="http://schemas.microsoft.com/VisualStudio/2011/storyboarding/control"/>
+  </ds:schemaRefs>
+</ds:datastoreItem>
+</file>
+
+<file path=customXml/itemProps2.xml><?xml version="1.0" encoding="utf-8"?>
 <ds:datastoreItem xmlns:ds="http://schemas.openxmlformats.org/officeDocument/2006/customXml" ds:itemID="{925928FA-66B2-4992-9AF7-6AAB34665E06}">
   <ds:schemaRefs>
     <ds:schemaRef ds:uri="http://schemas.microsoft.com/VisualStudio/2011/storyboarding/control"/>
@@ -15457,23 +15495,25 @@
 </ds:datastoreItem>
 </file>
 
-<file path=customXml/itemProps2.xml><?xml version="1.0" encoding="utf-8"?>
-<ds:datastoreItem xmlns:ds="http://schemas.openxmlformats.org/officeDocument/2006/customXml" ds:itemID="{195C3A57-25C5-4CAC-A396-8711CE839175}">
+<file path=customXml/itemProps3.xml><?xml version="1.0" encoding="utf-8"?>
+<ds:datastoreItem xmlns:ds="http://schemas.openxmlformats.org/officeDocument/2006/customXml" ds:itemID="{1322E1B6-B69B-4B1E-9F64-FFB1E4A65691}">
+  <ds:schemaRefs>
+    <ds:schemaRef ds:uri="http://schemas.microsoft.com/office/2006/metadata/properties"/>
+    <ds:schemaRef ds:uri="http://schemas.microsoft.com/office/infopath/2007/PartnerControls"/>
+    <ds:schemaRef ds:uri="b4ebf394-daf6-497a-96c5-a2f8c10b38cf"/>
+  </ds:schemaRefs>
+</ds:datastoreItem>
+</file>
+
+<file path=customXml/itemProps4.xml><?xml version="1.0" encoding="utf-8"?>
+<ds:datastoreItem xmlns:ds="http://schemas.openxmlformats.org/officeDocument/2006/customXml" ds:itemID="{74F50758-6994-47AF-ADB4-84074E43B95D}">
   <ds:schemaRefs>
     <ds:schemaRef ds:uri="http://schemas.microsoft.com/VisualStudio/2011/storyboarding/control"/>
   </ds:schemaRefs>
 </ds:datastoreItem>
 </file>
 
-<file path=customXml/itemProps3.xml><?xml version="1.0" encoding="utf-8"?>
-<ds:datastoreItem xmlns:ds="http://schemas.openxmlformats.org/officeDocument/2006/customXml" ds:itemID="{EE994FE8-9D1B-4C75-9803-F4D3D8088B5B}">
-  <ds:schemaRefs>
-    <ds:schemaRef ds:uri="http://schemas.microsoft.com/VisualStudio/2011/storyboarding/control"/>
-  </ds:schemaRefs>
-</ds:datastoreItem>
-</file>
-
-<file path=customXml/itemProps4.xml><?xml version="1.0" encoding="utf-8"?>
+<file path=customXml/itemProps5.xml><?xml version="1.0" encoding="utf-8"?>
 <ds:datastoreItem xmlns:ds="http://schemas.openxmlformats.org/officeDocument/2006/customXml" ds:itemID="{35CD12A2-2187-402A-B9D9-EF68624DB0B9}">
   <ds:schemaRefs>
     <ds:schemaRef ds:uri="http://schemas.microsoft.com/VisualStudio/2011/storyboarding/control"/>
@@ -15481,20 +15521,10 @@
 </ds:datastoreItem>
 </file>
 
-<file path=customXml/itemProps5.xml><?xml version="1.0" encoding="utf-8"?>
-<ds:datastoreItem xmlns:ds="http://schemas.openxmlformats.org/officeDocument/2006/customXml" ds:itemID="{74F50758-6994-47AF-ADB4-84074E43B95D}">
+<file path=customXml/itemProps6.xml><?xml version="1.0" encoding="utf-8"?>
+<ds:datastoreItem xmlns:ds="http://schemas.openxmlformats.org/officeDocument/2006/customXml" ds:itemID="{EE994FE8-9D1B-4C75-9803-F4D3D8088B5B}">
   <ds:schemaRefs>
     <ds:schemaRef ds:uri="http://schemas.microsoft.com/VisualStudio/2011/storyboarding/control"/>
-  </ds:schemaRefs>
-</ds:datastoreItem>
-</file>
-
-<file path=customXml/itemProps6.xml><?xml version="1.0" encoding="utf-8"?>
-<ds:datastoreItem xmlns:ds="http://schemas.openxmlformats.org/officeDocument/2006/customXml" ds:itemID="{1322E1B6-B69B-4B1E-9F64-FFB1E4A65691}">
-  <ds:schemaRefs>
-    <ds:schemaRef ds:uri="http://schemas.microsoft.com/office/2006/metadata/properties"/>
-    <ds:schemaRef ds:uri="http://schemas.microsoft.com/office/infopath/2007/PartnerControls"/>
-    <ds:schemaRef ds:uri="b4ebf394-daf6-497a-96c5-a2f8c10b38cf"/>
   </ds:schemaRefs>
 </ds:datastoreItem>
 </file>
